--- a/output/A IRMANDADE DO CÓDIGO.pptx
+++ b/output/A IRMANDADE DO CÓDIGO.pptx
@@ -138,7 +138,7 @@
             <a:srgbClr val="A4A3A4"/>
           </p15:clr>
         </p15:guide>
-        <p15:guide id="2" pos="3024" userDrawn="1">
+        <p15:guide id="2" pos="3069" userDrawn="1">
           <p15:clr>
             <a:srgbClr val="A4A3A4"/>
           </p15:clr>
@@ -7693,6 +7693,100 @@
           </a:prstGeom>
         </p:spPr>
       </p:pic>
+      <p:pic>
+        <p:nvPicPr>
+          <p:cNvPr id="2" name="Picture 2" descr="GitHub Logos and Usage · GitHub">
+            <a:extLst>
+              <a:ext uri="{FF2B5EF4-FFF2-40B4-BE49-F238E27FC236}">
+                <a16:creationId xmlns:a16="http://schemas.microsoft.com/office/drawing/2014/main" id="{E113ECBF-2842-1B76-B2A4-94771EC68DCA}"/>
+              </a:ext>
+            </a:extLst>
+          </p:cNvPr>
+          <p:cNvPicPr>
+            <a:picLocks noChangeAspect="1" noChangeArrowheads="1"/>
+          </p:cNvPicPr>
+          <p:nvPr/>
+        </p:nvPicPr>
+        <p:blipFill>
+          <a:blip r:embed="rId4">
+            <a:extLst>
+              <a:ext uri="{BEBA8EAE-BF5A-486C-A8C5-ECC9F3942E4B}">
+                <a14:imgProps xmlns:a14="http://schemas.microsoft.com/office/drawing/2010/main">
+                  <a14:imgLayer r:embed="rId5">
+                    <a14:imgEffect>
+                      <a14:backgroundRemoval t="10000" b="90000" l="10000" r="90000"/>
+                    </a14:imgEffect>
+                  </a14:imgLayer>
+                </a14:imgProps>
+              </a:ext>
+              <a:ext uri="{28A0092B-C50C-407E-A947-70E740481C1C}">
+                <a14:useLocalDpi xmlns:a14="http://schemas.microsoft.com/office/drawing/2010/main" val="0"/>
+              </a:ext>
+            </a:extLst>
+          </a:blip>
+          <a:srcRect/>
+          <a:stretch>
+            <a:fillRect/>
+          </a:stretch>
+        </p:blipFill>
+        <p:spPr bwMode="auto">
+          <a:xfrm>
+            <a:off x="3813953" y="5587726"/>
+            <a:ext cx="1676570" cy="1676570"/>
+          </a:xfrm>
+          <a:prstGeom prst="rect">
+            <a:avLst/>
+          </a:prstGeom>
+          <a:noFill/>
+          <a:extLst>
+            <a:ext uri="{909E8E84-426E-40DD-AFC4-6F175D3DCCD1}">
+              <a14:hiddenFill xmlns:a14="http://schemas.microsoft.com/office/drawing/2010/main">
+                <a:solidFill>
+                  <a:srgbClr val="FFFFFF"/>
+                </a:solidFill>
+              </a14:hiddenFill>
+            </a:ext>
+          </a:extLst>
+        </p:spPr>
+      </p:pic>
+      <p:sp>
+        <p:nvSpPr>
+          <p:cNvPr id="3" name="CaixaDeTexto 2">
+            <a:extLst>
+              <a:ext uri="{FF2B5EF4-FFF2-40B4-BE49-F238E27FC236}">
+                <a16:creationId xmlns:a16="http://schemas.microsoft.com/office/drawing/2014/main" id="{5F591782-D8D4-39BD-5080-9C831D71332D}"/>
+              </a:ext>
+            </a:extLst>
+          </p:cNvPr>
+          <p:cNvSpPr txBox="1"/>
+          <p:nvPr/>
+        </p:nvSpPr>
+        <p:spPr>
+          <a:xfrm>
+            <a:off x="1507067" y="7620000"/>
+            <a:ext cx="7078133" cy="369332"/>
+          </a:xfrm>
+          <a:prstGeom prst="rect">
+            <a:avLst/>
+          </a:prstGeom>
+          <a:noFill/>
+        </p:spPr>
+        <p:txBody>
+          <a:bodyPr wrap="square" rtlCol="0">
+            <a:spAutoFit/>
+          </a:bodyPr>
+          <a:lstStyle/>
+          <a:p>
+            <a:r>
+              <a:rPr lang="pt-BR" dirty="0">
+                <a:hlinkClick r:id="rId6"/>
+              </a:rPr>
+              <a:t>https://github.com/zSukita/prompts-recipe-to-create-a-ebook-main</a:t>
+            </a:r>
+            <a:endParaRPr lang="pt-BR" dirty="0"/>
+          </a:p>
+        </p:txBody>
+      </p:sp>
     </p:spTree>
     <p:extLst>
       <p:ext uri="{BB962C8B-B14F-4D97-AF65-F5344CB8AC3E}">
